--- a/BrainTestPresentation.pptx
+++ b/BrainTestPresentation.pptx
@@ -531,13 +531,6 @@
           </ac:spMkLst>
         </pc:spChg>
       </pc:sldChg>
-      <pc:sldChg chg="add del">
-        <pc:chgData name="Артем Разуменко" userId="256355d4b20c6ef4" providerId="LiveId" clId="{BA917843-C9CF-431D-8431-EA1E6F3F23CF}" dt="2020-09-14T08:14:58.079" v="20" actId="2696"/>
-        <pc:sldMkLst>
-          <pc:docMk/>
-          <pc:sldMk cId="0" sldId="271"/>
-        </pc:sldMkLst>
-      </pc:sldChg>
       <pc:sldChg chg="addSp delSp modSp add mod">
         <pc:chgData name="Артем Разуменко" userId="256355d4b20c6ef4" providerId="LiveId" clId="{BA917843-C9CF-431D-8431-EA1E6F3F23CF}" dt="2020-09-14T09:02:37.439" v="2844" actId="1076"/>
         <pc:sldMkLst>
@@ -578,10 +571,17 @@
         </pc:picChg>
       </pc:sldChg>
       <pc:sldChg chg="add del">
+        <pc:chgData name="Артем Разуменко" userId="256355d4b20c6ef4" providerId="LiveId" clId="{BA917843-C9CF-431D-8431-EA1E6F3F23CF}" dt="2020-09-14T08:14:58.079" v="20" actId="2696"/>
+        <pc:sldMkLst>
+          <pc:docMk/>
+          <pc:sldMk cId="1475381437" sldId="271"/>
+        </pc:sldMkLst>
+      </pc:sldChg>
+      <pc:sldChg chg="add del">
         <pc:chgData name="Артем Разуменко" userId="256355d4b20c6ef4" providerId="LiveId" clId="{BA917843-C9CF-431D-8431-EA1E6F3F23CF}" dt="2020-09-14T08:15:00.339" v="21" actId="2696"/>
         <pc:sldMkLst>
           <pc:docMk/>
-          <pc:sldMk cId="0" sldId="272"/>
+          <pc:sldMk cId="2837462747" sldId="272"/>
         </pc:sldMkLst>
       </pc:sldChg>
       <pc:sldChg chg="addSp modSp add mod">
@@ -634,7 +634,7 @@
         <pc:chgData name="Артем Разуменко" userId="256355d4b20c6ef4" providerId="LiveId" clId="{BA917843-C9CF-431D-8431-EA1E6F3F23CF}" dt="2020-09-14T08:15:04.914" v="23" actId="2696"/>
         <pc:sldMkLst>
           <pc:docMk/>
-          <pc:sldMk cId="0" sldId="274"/>
+          <pc:sldMk cId="2966345246" sldId="274"/>
         </pc:sldMkLst>
       </pc:sldChg>
       <pc:sldChg chg="delSp modSp add mod">
@@ -675,13 +675,6 @@
           <pc:sldMk cId="2977986069" sldId="274"/>
         </pc:sldMkLst>
       </pc:sldChg>
-      <pc:sldChg chg="add del">
-        <pc:chgData name="Артем Разуменко" userId="256355d4b20c6ef4" providerId="LiveId" clId="{BA917843-C9CF-431D-8431-EA1E6F3F23CF}" dt="2020-09-14T08:15:08.947" v="24" actId="2696"/>
-        <pc:sldMkLst>
-          <pc:docMk/>
-          <pc:sldMk cId="0" sldId="275"/>
-        </pc:sldMkLst>
-      </pc:sldChg>
       <pc:sldChg chg="addSp modSp add mod">
         <pc:chgData name="Артем Разуменко" userId="256355d4b20c6ef4" providerId="LiveId" clId="{BA917843-C9CF-431D-8431-EA1E6F3F23CF}" dt="2020-09-14T09:35:26.007" v="3851" actId="20577"/>
         <pc:sldMkLst>
@@ -714,10 +707,17 @@
         </pc:picChg>
       </pc:sldChg>
       <pc:sldChg chg="add del">
+        <pc:chgData name="Артем Разуменко" userId="256355d4b20c6ef4" providerId="LiveId" clId="{BA917843-C9CF-431D-8431-EA1E6F3F23CF}" dt="2020-09-14T08:15:08.947" v="24" actId="2696"/>
+        <pc:sldMkLst>
+          <pc:docMk/>
+          <pc:sldMk cId="3795742316" sldId="275"/>
+        </pc:sldMkLst>
+      </pc:sldChg>
+      <pc:sldChg chg="add del">
         <pc:chgData name="Артем Разуменко" userId="256355d4b20c6ef4" providerId="LiveId" clId="{BA917843-C9CF-431D-8431-EA1E6F3F23CF}" dt="2020-09-14T08:15:12.249" v="25" actId="2696"/>
         <pc:sldMkLst>
           <pc:docMk/>
-          <pc:sldMk cId="0" sldId="276"/>
+          <pc:sldMk cId="2589874053" sldId="276"/>
         </pc:sldMkLst>
       </pc:sldChg>
       <pc:sldChg chg="addSp delSp modSp add mod">
@@ -41050,10 +41050,10 @@
               <a:buNone/>
             </a:pPr>
             <a:r>
-              <a:rPr lang="ru-RU" sz="3600" dirty="0"/>
-              <a:t>Функционал приложения</a:t>
+              <a:rPr lang="ru-RU" sz="2400" dirty="0"/>
+              <a:t>Функциональность приложения</a:t>
             </a:r>
-            <a:endParaRPr sz="3600" dirty="0"/>
+            <a:endParaRPr sz="2400" dirty="0"/>
           </a:p>
         </p:txBody>
       </p:sp>
@@ -43231,7 +43231,7 @@
         </p:blipFill>
         <p:spPr>
           <a:xfrm>
-            <a:off x="5740286" y="90714"/>
+            <a:off x="5587426" y="90714"/>
             <a:ext cx="2374850" cy="4962071"/>
           </a:xfrm>
           <a:prstGeom prst="rect">
@@ -43689,7 +43689,7 @@
         </p:blipFill>
         <p:spPr>
           <a:xfrm>
-            <a:off x="5667986" y="7821"/>
+            <a:off x="5587426" y="97971"/>
             <a:ext cx="2374850" cy="4947557"/>
           </a:xfrm>
           <a:prstGeom prst="rect">
